--- a/Copilot in Fabric.pptx
+++ b/Copilot in Fabric.pptx
@@ -5,7 +5,7 @@
     <p:sldMasterId id="2147483648" r:id="rId1"/>
   </p:sldMasterIdLst>
   <p:notesMasterIdLst>
-    <p:notesMasterId r:id="rId15"/>
+    <p:notesMasterId r:id="rId16"/>
   </p:notesMasterIdLst>
   <p:sldIdLst>
     <p:sldId id="293" r:id="rId2"/>
@@ -21,6 +21,7 @@
     <p:sldId id="304" r:id="rId12"/>
     <p:sldId id="305" r:id="rId13"/>
     <p:sldId id="307" r:id="rId14"/>
+    <p:sldId id="308" r:id="rId15"/>
   </p:sldIdLst>
   <p:sldSz cx="12192000" cy="6858000"/>
   <p:notesSz cx="6858000" cy="9144000"/>
@@ -6299,6 +6300,846 @@
     <p:extLst>
       <p:ext uri="{BB962C8B-B14F-4D97-AF65-F5344CB8AC3E}">
         <p14:creationId xmlns:p14="http://schemas.microsoft.com/office/powerpoint/2010/main" val="1442720165"/>
+      </p:ext>
+    </p:extLst>
+  </p:cSld>
+  <p:clrMapOvr>
+    <a:masterClrMapping/>
+  </p:clrMapOvr>
+</p:sld>
+</file>
+
+<file path=ppt/slides/slide14.xml><?xml version="1.0" encoding="utf-8"?>
+<p:sld xmlns:a="http://schemas.openxmlformats.org/drawingml/2006/main" xmlns:r="http://schemas.openxmlformats.org/officeDocument/2006/relationships" xmlns:p="http://schemas.openxmlformats.org/presentationml/2006/main">
+  <p:cSld>
+    <p:bg>
+      <p:bgPr>
+        <a:solidFill>
+          <a:schemeClr val="bg1"/>
+        </a:solidFill>
+        <a:effectLst/>
+      </p:bgPr>
+    </p:bg>
+    <p:spTree>
+      <p:nvGrpSpPr>
+        <p:cNvPr id="1" name=""/>
+        <p:cNvGrpSpPr/>
+        <p:nvPr/>
+      </p:nvGrpSpPr>
+      <p:grpSpPr>
+        <a:xfrm>
+          <a:off x="0" y="0"/>
+          <a:ext cx="0" cy="0"/>
+          <a:chOff x="0" y="0"/>
+          <a:chExt cx="0" cy="0"/>
+        </a:xfrm>
+      </p:grpSpPr>
+      <p:sp useBgFill="1">
+        <p:nvSpPr>
+          <p:cNvPr id="26" name="Rectangle 25">
+            <a:extLst>
+              <a:ext uri="{FF2B5EF4-FFF2-40B4-BE49-F238E27FC236}">
+                <a16:creationId xmlns:a16="http://schemas.microsoft.com/office/drawing/2014/main" id="{AB8C311F-7253-4AED-9701-7FC0708C41C7}"/>
+              </a:ext>
+              <a:ext uri="{C183D7F6-B498-43B3-948B-1728B52AA6E4}">
+                <adec:decorative xmlns:adec="http://schemas.microsoft.com/office/drawing/2017/decorative" val="1"/>
+              </a:ext>
+            </a:extLst>
+          </p:cNvPr>
+          <p:cNvSpPr>
+            <a:spLocks noGrp="1" noRot="1" noChangeAspect="1" noMove="1" noResize="1" noEditPoints="1" noAdjustHandles="1" noChangeArrowheads="1" noChangeShapeType="1" noTextEdit="1"/>
+          </p:cNvSpPr>
+          <p:nvPr>
+            <p:extLst>
+              <p:ext uri="{386F3935-93C4-4BCD-93E2-E3B085C9AB24}">
+                <p16:designElem xmlns:p16="http://schemas.microsoft.com/office/powerpoint/2015/main" val="1"/>
+              </p:ext>
+            </p:extLst>
+          </p:nvPr>
+        </p:nvSpPr>
+        <p:spPr>
+          <a:xfrm>
+            <a:off x="0" y="0"/>
+            <a:ext cx="12192000" cy="6858000"/>
+          </a:xfrm>
+          <a:prstGeom prst="rect">
+            <a:avLst/>
+          </a:prstGeom>
+          <a:ln w="12700" cap="flat" cmpd="sng" algn="ctr">
+            <a:noFill/>
+            <a:prstDash val="solid"/>
+            <a:miter lim="800000"/>
+          </a:ln>
+          <a:effectLst/>
+          <a:extLst>
+            <a:ext uri="{91240B29-F687-4F45-9708-019B960494DF}">
+              <a14:hiddenLine xmlns:a14="http://schemas.microsoft.com/office/drawing/2010/main" w="12700" cap="flat" cmpd="sng" algn="ctr">
+                <a:solidFill>
+                  <a:schemeClr val="accent1">
+                    <a:shade val="50000"/>
+                  </a:schemeClr>
+                </a:solidFill>
+                <a:prstDash val="solid"/>
+                <a:miter lim="800000"/>
+              </a14:hiddenLine>
+            </a:ext>
+          </a:extLst>
+        </p:spPr>
+        <p:style>
+          <a:lnRef idx="2">
+            <a:schemeClr val="accent1">
+              <a:shade val="50000"/>
+            </a:schemeClr>
+          </a:lnRef>
+          <a:fillRef idx="1">
+            <a:schemeClr val="accent1"/>
+          </a:fillRef>
+          <a:effectRef idx="0">
+            <a:schemeClr val="accent1"/>
+          </a:effectRef>
+          <a:fontRef idx="minor">
+            <a:schemeClr val="lt1"/>
+          </a:fontRef>
+        </p:style>
+        <p:txBody>
+          <a:bodyPr rtlCol="0" anchor="ctr"/>
+          <a:lstStyle/>
+          <a:p>
+            <a:pPr algn="ctr"/>
+            <a:endParaRPr lang="en-US"/>
+          </a:p>
+        </p:txBody>
+      </p:sp>
+      <p:sp>
+        <p:nvSpPr>
+          <p:cNvPr id="27" name="Rectangle 26">
+            <a:extLst>
+              <a:ext uri="{FF2B5EF4-FFF2-40B4-BE49-F238E27FC236}">
+                <a16:creationId xmlns:a16="http://schemas.microsoft.com/office/drawing/2014/main" id="{E2384209-CB15-4CDF-9D31-C44FD9A3F20D}"/>
+              </a:ext>
+              <a:ext uri="{C183D7F6-B498-43B3-948B-1728B52AA6E4}">
+                <adec:decorative xmlns:adec="http://schemas.microsoft.com/office/drawing/2017/decorative" val="1"/>
+              </a:ext>
+            </a:extLst>
+          </p:cNvPr>
+          <p:cNvSpPr>
+            <a:spLocks noGrp="1" noRot="1" noChangeAspect="1" noMove="1" noResize="1" noEditPoints="1" noAdjustHandles="1" noChangeArrowheads="1" noChangeShapeType="1" noTextEdit="1"/>
+          </p:cNvSpPr>
+          <p:nvPr>
+            <p:extLst>
+              <p:ext uri="{386F3935-93C4-4BCD-93E2-E3B085C9AB24}">
+                <p16:designElem xmlns:p16="http://schemas.microsoft.com/office/powerpoint/2015/main" val="1"/>
+              </p:ext>
+            </p:extLst>
+          </p:nvPr>
+        </p:nvSpPr>
+        <p:spPr>
+          <a:xfrm rot="16200000" flipH="1">
+            <a:off x="2666617" y="-2666188"/>
+            <a:ext cx="6858000" cy="12191233"/>
+          </a:xfrm>
+          <a:prstGeom prst="rect">
+            <a:avLst/>
+          </a:prstGeom>
+          <a:gradFill>
+            <a:gsLst>
+              <a:gs pos="8000">
+                <a:schemeClr val="accent1"/>
+              </a:gs>
+              <a:gs pos="100000">
+                <a:schemeClr val="accent1">
+                  <a:lumMod val="50000"/>
+                </a:schemeClr>
+              </a:gs>
+            </a:gsLst>
+            <a:lin ang="12000000" scaled="0"/>
+          </a:gradFill>
+          <a:ln>
+            <a:noFill/>
+          </a:ln>
+        </p:spPr>
+        <p:style>
+          <a:lnRef idx="2">
+            <a:schemeClr val="accent1">
+              <a:shade val="50000"/>
+            </a:schemeClr>
+          </a:lnRef>
+          <a:fillRef idx="1">
+            <a:schemeClr val="accent1"/>
+          </a:fillRef>
+          <a:effectRef idx="0">
+            <a:schemeClr val="accent1"/>
+          </a:effectRef>
+          <a:fontRef idx="minor">
+            <a:schemeClr val="lt1"/>
+          </a:fontRef>
+        </p:style>
+        <p:txBody>
+          <a:bodyPr rtlCol="0" anchor="ctr"/>
+          <a:lstStyle/>
+          <a:p>
+            <a:pPr algn="ctr"/>
+            <a:endParaRPr lang="en-US"/>
+          </a:p>
+        </p:txBody>
+      </p:sp>
+      <p:sp>
+        <p:nvSpPr>
+          <p:cNvPr id="28" name="Rectangle 27">
+            <a:extLst>
+              <a:ext uri="{FF2B5EF4-FFF2-40B4-BE49-F238E27FC236}">
+                <a16:creationId xmlns:a16="http://schemas.microsoft.com/office/drawing/2014/main" id="{2633B3B5-CC90-43F0-8714-D31D1F3F0209}"/>
+              </a:ext>
+              <a:ext uri="{C183D7F6-B498-43B3-948B-1728B52AA6E4}">
+                <adec:decorative xmlns:adec="http://schemas.microsoft.com/office/drawing/2017/decorative" val="1"/>
+              </a:ext>
+            </a:extLst>
+          </p:cNvPr>
+          <p:cNvSpPr>
+            <a:spLocks noGrp="1" noRot="1" noChangeAspect="1" noMove="1" noResize="1" noEditPoints="1" noAdjustHandles="1" noChangeArrowheads="1" noChangeShapeType="1" noTextEdit="1"/>
+          </p:cNvSpPr>
+          <p:nvPr>
+            <p:extLst>
+              <p:ext uri="{386F3935-93C4-4BCD-93E2-E3B085C9AB24}">
+                <p16:designElem xmlns:p16="http://schemas.microsoft.com/office/powerpoint/2015/main" val="1"/>
+              </p:ext>
+            </p:extLst>
+          </p:nvPr>
+        </p:nvSpPr>
+        <p:spPr>
+          <a:xfrm rot="10800000" flipH="1">
+            <a:off x="-2311" y="0"/>
+            <a:ext cx="9070846" cy="6857572"/>
+          </a:xfrm>
+          <a:prstGeom prst="rect">
+            <a:avLst/>
+          </a:prstGeom>
+          <a:gradFill>
+            <a:gsLst>
+              <a:gs pos="8000">
+                <a:srgbClr val="000000">
+                  <a:alpha val="52000"/>
+                </a:srgbClr>
+              </a:gs>
+              <a:gs pos="100000">
+                <a:schemeClr val="accent1"/>
+              </a:gs>
+            </a:gsLst>
+            <a:lin ang="4800000" scaled="0"/>
+          </a:gradFill>
+          <a:ln>
+            <a:noFill/>
+          </a:ln>
+        </p:spPr>
+        <p:style>
+          <a:lnRef idx="2">
+            <a:schemeClr val="accent1">
+              <a:shade val="50000"/>
+            </a:schemeClr>
+          </a:lnRef>
+          <a:fillRef idx="1">
+            <a:schemeClr val="accent1"/>
+          </a:fillRef>
+          <a:effectRef idx="0">
+            <a:schemeClr val="accent1"/>
+          </a:effectRef>
+          <a:fontRef idx="minor">
+            <a:schemeClr val="lt1"/>
+          </a:fontRef>
+        </p:style>
+        <p:txBody>
+          <a:bodyPr rtlCol="0" anchor="ctr"/>
+          <a:lstStyle/>
+          <a:p>
+            <a:pPr algn="ctr"/>
+            <a:endParaRPr lang="en-US"/>
+          </a:p>
+        </p:txBody>
+      </p:sp>
+      <p:sp>
+        <p:nvSpPr>
+          <p:cNvPr id="29" name="Rectangle 28">
+            <a:extLst>
+              <a:ext uri="{FF2B5EF4-FFF2-40B4-BE49-F238E27FC236}">
+                <a16:creationId xmlns:a16="http://schemas.microsoft.com/office/drawing/2014/main" id="{A8D57A06-A426-446D-B02C-A2DC6B62E45E}"/>
+              </a:ext>
+              <a:ext uri="{C183D7F6-B498-43B3-948B-1728B52AA6E4}">
+                <adec:decorative xmlns:adec="http://schemas.microsoft.com/office/drawing/2017/decorative" val="1"/>
+              </a:ext>
+            </a:extLst>
+          </p:cNvPr>
+          <p:cNvSpPr>
+            <a:spLocks noGrp="1" noRot="1" noChangeAspect="1" noMove="1" noResize="1" noEditPoints="1" noAdjustHandles="1" noChangeArrowheads="1" noChangeShapeType="1" noTextEdit="1"/>
+          </p:cNvSpPr>
+          <p:nvPr>
+            <p:extLst>
+              <p:ext uri="{386F3935-93C4-4BCD-93E2-E3B085C9AB24}">
+                <p16:designElem xmlns:p16="http://schemas.microsoft.com/office/powerpoint/2015/main" val="1"/>
+              </p:ext>
+            </p:extLst>
+          </p:nvPr>
+        </p:nvSpPr>
+        <p:spPr>
+          <a:xfrm rot="16200000" flipH="1">
+            <a:off x="3649491" y="-1685840"/>
+            <a:ext cx="4894564" cy="12193546"/>
+          </a:xfrm>
+          <a:prstGeom prst="rect">
+            <a:avLst/>
+          </a:prstGeom>
+          <a:gradFill>
+            <a:gsLst>
+              <a:gs pos="0">
+                <a:schemeClr val="accent5">
+                  <a:lumMod val="60000"/>
+                  <a:lumOff val="40000"/>
+                  <a:alpha val="0"/>
+                </a:schemeClr>
+              </a:gs>
+              <a:gs pos="100000">
+                <a:srgbClr val="000000">
+                  <a:alpha val="46000"/>
+                </a:srgbClr>
+              </a:gs>
+            </a:gsLst>
+            <a:lin ang="1200000" scaled="0"/>
+          </a:gradFill>
+          <a:ln>
+            <a:noFill/>
+          </a:ln>
+        </p:spPr>
+        <p:style>
+          <a:lnRef idx="2">
+            <a:schemeClr val="accent1">
+              <a:shade val="50000"/>
+            </a:schemeClr>
+          </a:lnRef>
+          <a:fillRef idx="1">
+            <a:schemeClr val="accent1"/>
+          </a:fillRef>
+          <a:effectRef idx="0">
+            <a:schemeClr val="accent1"/>
+          </a:effectRef>
+          <a:fontRef idx="minor">
+            <a:schemeClr val="lt1"/>
+          </a:fontRef>
+        </p:style>
+        <p:txBody>
+          <a:bodyPr rtlCol="0" anchor="ctr"/>
+          <a:lstStyle/>
+          <a:p>
+            <a:pPr algn="ctr"/>
+            <a:endParaRPr lang="en-US"/>
+          </a:p>
+        </p:txBody>
+      </p:sp>
+      <p:graphicFrame>
+        <p:nvGraphicFramePr>
+          <p:cNvPr id="2" name="Table 1">
+            <a:extLst>
+              <a:ext uri="{FF2B5EF4-FFF2-40B4-BE49-F238E27FC236}">
+                <a16:creationId xmlns:a16="http://schemas.microsoft.com/office/drawing/2014/main" id="{12BB0894-E531-308D-20C3-B70235173D13}"/>
+              </a:ext>
+            </a:extLst>
+          </p:cNvPr>
+          <p:cNvGraphicFramePr>
+            <a:graphicFrameLocks noGrp="1"/>
+          </p:cNvGraphicFramePr>
+          <p:nvPr>
+            <p:extLst>
+              <p:ext uri="{D42A27DB-BD31-4B8C-83A1-F6EECF244321}">
+                <p14:modId xmlns:p14="http://schemas.microsoft.com/office/powerpoint/2010/main" val="3195012175"/>
+              </p:ext>
+            </p:extLst>
+          </p:nvPr>
+        </p:nvGraphicFramePr>
+        <p:xfrm>
+          <a:off x="457200" y="400050"/>
+          <a:ext cx="11277601" cy="6100763"/>
+        </p:xfrm>
+        <a:graphic>
+          <a:graphicData uri="http://schemas.openxmlformats.org/drawingml/2006/table">
+            <a:tbl>
+              <a:tblPr firstRow="1" bandRow="1">
+                <a:tableStyleId>{073A0DAA-6AF3-43AB-8588-CEC1D06C72B9}</a:tableStyleId>
+              </a:tblPr>
+              <a:tblGrid>
+                <a:gridCol w="303336">
+                  <a:extLst>
+                    <a:ext uri="{9D8B030D-6E8A-4147-A177-3AD203B41FA5}">
+                      <a16:colId xmlns:a16="http://schemas.microsoft.com/office/drawing/2014/main" val="1277731191"/>
+                    </a:ext>
+                  </a:extLst>
+                </a:gridCol>
+                <a:gridCol w="1768352">
+                  <a:extLst>
+                    <a:ext uri="{9D8B030D-6E8A-4147-A177-3AD203B41FA5}">
+                      <a16:colId xmlns:a16="http://schemas.microsoft.com/office/drawing/2014/main" val="4145821092"/>
+                    </a:ext>
+                  </a:extLst>
+                </a:gridCol>
+                <a:gridCol w="5543550">
+                  <a:extLst>
+                    <a:ext uri="{9D8B030D-6E8A-4147-A177-3AD203B41FA5}">
+                      <a16:colId xmlns:a16="http://schemas.microsoft.com/office/drawing/2014/main" val="1108505067"/>
+                    </a:ext>
+                  </a:extLst>
+                </a:gridCol>
+                <a:gridCol w="3662363">
+                  <a:extLst>
+                    <a:ext uri="{9D8B030D-6E8A-4147-A177-3AD203B41FA5}">
+                      <a16:colId xmlns:a16="http://schemas.microsoft.com/office/drawing/2014/main" val="3286689688"/>
+                    </a:ext>
+                  </a:extLst>
+                </a:gridCol>
+              </a:tblGrid>
+              <a:tr h="374100">
+                <a:tc>
+                  <a:txBody>
+                    <a:bodyPr/>
+                    <a:lstStyle/>
+                    <a:p>
+                      <a:pPr>
+                        <a:buNone/>
+                      </a:pPr>
+                      <a:r>
+                        <a:rPr lang="en-AU" sz="1400"/>
+                        <a:t>#</a:t>
+                      </a:r>
+                    </a:p>
+                  </a:txBody>
+                  <a:tcPr marL="26095" marR="26095" marT="13047" marB="13047" anchor="ctr"/>
+                </a:tc>
+                <a:tc>
+                  <a:txBody>
+                    <a:bodyPr/>
+                    <a:lstStyle/>
+                    <a:p>
+                      <a:pPr>
+                        <a:buNone/>
+                      </a:pPr>
+                      <a:r>
+                        <a:rPr lang="en-AU" sz="1400"/>
+                        <a:t>Experience</a:t>
+                      </a:r>
+                    </a:p>
+                  </a:txBody>
+                  <a:tcPr marL="26095" marR="26095" marT="13047" marB="13047" anchor="ctr"/>
+                </a:tc>
+                <a:tc>
+                  <a:txBody>
+                    <a:bodyPr/>
+                    <a:lstStyle/>
+                    <a:p>
+                      <a:pPr>
+                        <a:buNone/>
+                      </a:pPr>
+                      <a:r>
+                        <a:rPr lang="en-AU" sz="1400"/>
+                        <a:t>What it is</a:t>
+                      </a:r>
+                    </a:p>
+                  </a:txBody>
+                  <a:tcPr marL="26095" marR="26095" marT="13047" marB="13047" anchor="ctr"/>
+                </a:tc>
+                <a:tc>
+                  <a:txBody>
+                    <a:bodyPr/>
+                    <a:lstStyle/>
+                    <a:p>
+                      <a:pPr>
+                        <a:buNone/>
+                      </a:pPr>
+                      <a:r>
+                        <a:rPr lang="en-AU" sz="1400"/>
+                        <a:t>Best for</a:t>
+                      </a:r>
+                    </a:p>
+                  </a:txBody>
+                  <a:tcPr marL="26095" marR="26095" marT="13047" marB="13047" anchor="ctr"/>
+                </a:tc>
+                <a:extLst>
+                  <a:ext uri="{0D108BD9-81ED-4DB2-BD59-A6C34878D82A}">
+                    <a16:rowId xmlns:a16="http://schemas.microsoft.com/office/drawing/2014/main" val="1891432666"/>
+                  </a:ext>
+                </a:extLst>
+              </a:tr>
+              <a:tr h="924981">
+                <a:tc>
+                  <a:txBody>
+                    <a:bodyPr/>
+                    <a:lstStyle/>
+                    <a:p>
+                      <a:pPr>
+                        <a:buNone/>
+                      </a:pPr>
+                      <a:r>
+                        <a:rPr lang="en-AU" sz="1400"/>
+                        <a:t>1</a:t>
+                      </a:r>
+                    </a:p>
+                  </a:txBody>
+                  <a:tcPr marL="26095" marR="26095" marT="13047" marB="13047" anchor="ctr"/>
+                </a:tc>
+                <a:tc>
+                  <a:txBody>
+                    <a:bodyPr/>
+                    <a:lstStyle/>
+                    <a:p>
+                      <a:pPr>
+                        <a:buNone/>
+                      </a:pPr>
+                      <a:r>
+                        <a:rPr lang="en-US" sz="1400" b="1"/>
+                        <a:t>Copilot inside a Power BI report</a:t>
+                      </a:r>
+                      <a:endParaRPr lang="en-US" sz="1400"/>
+                    </a:p>
+                  </a:txBody>
+                  <a:tcPr marL="26095" marR="26095" marT="13047" marB="13047" anchor="ctr"/>
+                </a:tc>
+                <a:tc>
+                  <a:txBody>
+                    <a:bodyPr/>
+                    <a:lstStyle/>
+                    <a:p>
+                      <a:pPr>
+                        <a:buNone/>
+                      </a:pPr>
+                      <a:r>
+                        <a:rPr lang="en-US" sz="1400" dirty="0"/>
+                        <a:t>Copilot pane that chats about the current report / semantic model, can build visuals, summarize and explore data in-context. </a:t>
+                      </a:r>
+                    </a:p>
+                  </a:txBody>
+                  <a:tcPr marL="26095" marR="26095" marT="13047" marB="13047" anchor="ctr"/>
+                </a:tc>
+                <a:tc>
+                  <a:txBody>
+                    <a:bodyPr/>
+                    <a:lstStyle/>
+                    <a:p>
+                      <a:pPr>
+                        <a:buNone/>
+                      </a:pPr>
+                      <a:r>
+                        <a:rPr lang="en-US" sz="1400"/>
+                        <a:t>Business users exploring a specific report; analysts building or refining that report.</a:t>
+                      </a:r>
+                    </a:p>
+                  </a:txBody>
+                  <a:tcPr marL="26095" marR="26095" marT="13047" marB="13047" anchor="ctr"/>
+                </a:tc>
+                <a:extLst>
+                  <a:ext uri="{0D108BD9-81ED-4DB2-BD59-A6C34878D82A}">
+                    <a16:rowId xmlns:a16="http://schemas.microsoft.com/office/drawing/2014/main" val="1248302888"/>
+                  </a:ext>
+                </a:extLst>
+              </a:tr>
+              <a:tr h="1200420">
+                <a:tc>
+                  <a:txBody>
+                    <a:bodyPr/>
+                    <a:lstStyle/>
+                    <a:p>
+                      <a:pPr>
+                        <a:buNone/>
+                      </a:pPr>
+                      <a:r>
+                        <a:rPr lang="en-AU" sz="1400"/>
+                        <a:t>2</a:t>
+                      </a:r>
+                    </a:p>
+                  </a:txBody>
+                  <a:tcPr marL="26095" marR="26095" marT="13047" marB="13047" anchor="ctr"/>
+                </a:tc>
+                <a:tc>
+                  <a:txBody>
+                    <a:bodyPr/>
+                    <a:lstStyle/>
+                    <a:p>
+                      <a:pPr>
+                        <a:buNone/>
+                      </a:pPr>
+                      <a:r>
+                        <a:rPr lang="en-US" sz="1400" b="1"/>
+                        <a:t>Standalone Copilot in Power BI</a:t>
+                      </a:r>
+                      <a:endParaRPr lang="en-US" sz="1400"/>
+                    </a:p>
+                  </a:txBody>
+                  <a:tcPr marL="26095" marR="26095" marT="13047" marB="13047" anchor="ctr"/>
+                </a:tc>
+                <a:tc>
+                  <a:txBody>
+                    <a:bodyPr/>
+                    <a:lstStyle/>
+                    <a:p>
+                      <a:pPr>
+                        <a:buNone/>
+                      </a:pPr>
+                      <a:r>
+                        <a:rPr lang="en-US" sz="1400" dirty="0"/>
+                        <a:t>Full-screen Copilot experience in Power BI that can search and chat over any report, semantic model, and Fabric data agent the user can access. </a:t>
+                      </a:r>
+                    </a:p>
+                  </a:txBody>
+                  <a:tcPr marL="26095" marR="26095" marT="13047" marB="13047" anchor="ctr"/>
+                </a:tc>
+                <a:tc>
+                  <a:txBody>
+                    <a:bodyPr/>
+                    <a:lstStyle/>
+                    <a:p>
+                      <a:pPr>
+                        <a:buNone/>
+                      </a:pPr>
+                      <a:r>
+                        <a:rPr lang="en-US" sz="1400"/>
+                        <a:t>RMs / execs who want a “single Copilot for analytics” across many reports/models.</a:t>
+                      </a:r>
+                    </a:p>
+                  </a:txBody>
+                  <a:tcPr marL="26095" marR="26095" marT="13047" marB="13047" anchor="ctr"/>
+                </a:tc>
+                <a:extLst>
+                  <a:ext uri="{0D108BD9-81ED-4DB2-BD59-A6C34878D82A}">
+                    <a16:rowId xmlns:a16="http://schemas.microsoft.com/office/drawing/2014/main" val="2094013739"/>
+                  </a:ext>
+                </a:extLst>
+              </a:tr>
+              <a:tr h="924981">
+                <a:tc>
+                  <a:txBody>
+                    <a:bodyPr/>
+                    <a:lstStyle/>
+                    <a:p>
+                      <a:pPr>
+                        <a:buNone/>
+                      </a:pPr>
+                      <a:r>
+                        <a:rPr lang="en-AU" sz="1400"/>
+                        <a:t>3</a:t>
+                      </a:r>
+                    </a:p>
+                  </a:txBody>
+                  <a:tcPr marL="26095" marR="26095" marT="13047" marB="13047" anchor="ctr"/>
+                </a:tc>
+                <a:tc>
+                  <a:txBody>
+                    <a:bodyPr/>
+                    <a:lstStyle/>
+                    <a:p>
+                      <a:pPr>
+                        <a:buNone/>
+                      </a:pPr>
+                      <a:r>
+                        <a:rPr lang="en-AU" sz="1400" b="1"/>
+                        <a:t>Fabric Data Agent (standalone)</a:t>
+                      </a:r>
+                      <a:endParaRPr lang="en-AU" sz="1400"/>
+                    </a:p>
+                  </a:txBody>
+                  <a:tcPr marL="26095" marR="26095" marT="13047" marB="13047" anchor="ctr"/>
+                </a:tc>
+                <a:tc>
+                  <a:txBody>
+                    <a:bodyPr/>
+                    <a:lstStyle/>
+                    <a:p>
+                      <a:pPr>
+                        <a:buNone/>
+                      </a:pPr>
+                      <a:r>
+                        <a:rPr lang="en-US" sz="1400" dirty="0"/>
+                        <a:t>A conversational Q&amp;A agent defined in Fabric that can query </a:t>
+                      </a:r>
+                      <a:r>
+                        <a:rPr lang="en-US" sz="1400" dirty="0" err="1"/>
+                        <a:t>lakehouses</a:t>
+                      </a:r>
+                      <a:r>
+                        <a:rPr lang="en-US" sz="1400" dirty="0"/>
+                        <a:t>, warehouses, Power BI semantic models, KQL DBs, etc.</a:t>
+                      </a:r>
+                    </a:p>
+                  </a:txBody>
+                  <a:tcPr marL="26095" marR="26095" marT="13047" marB="13047" anchor="ctr"/>
+                </a:tc>
+                <a:tc>
+                  <a:txBody>
+                    <a:bodyPr/>
+                    <a:lstStyle/>
+                    <a:p>
+                      <a:pPr>
+                        <a:buNone/>
+                      </a:pPr>
+                      <a:r>
+                        <a:rPr lang="en-US" sz="1400"/>
+                        <a:t>Building domain-specific “data brains” (e.g. Institutional Banking data agent, Risk data agent).</a:t>
+                      </a:r>
+                    </a:p>
+                  </a:txBody>
+                  <a:tcPr marL="26095" marR="26095" marT="13047" marB="13047" anchor="ctr"/>
+                </a:tc>
+                <a:extLst>
+                  <a:ext uri="{0D108BD9-81ED-4DB2-BD59-A6C34878D82A}">
+                    <a16:rowId xmlns:a16="http://schemas.microsoft.com/office/drawing/2014/main" val="78175764"/>
+                  </a:ext>
+                </a:extLst>
+              </a:tr>
+              <a:tr h="1475861">
+                <a:tc>
+                  <a:txBody>
+                    <a:bodyPr/>
+                    <a:lstStyle/>
+                    <a:p>
+                      <a:pPr>
+                        <a:buNone/>
+                      </a:pPr>
+                      <a:r>
+                        <a:rPr lang="en-AU" sz="1400"/>
+                        <a:t>4</a:t>
+                      </a:r>
+                    </a:p>
+                  </a:txBody>
+                  <a:tcPr marL="26095" marR="26095" marT="13047" marB="13047" anchor="ctr"/>
+                </a:tc>
+                <a:tc>
+                  <a:txBody>
+                    <a:bodyPr/>
+                    <a:lstStyle/>
+                    <a:p>
+                      <a:pPr>
+                        <a:buNone/>
+                      </a:pPr>
+                      <a:r>
+                        <a:rPr lang="en-US" sz="1400" b="1"/>
+                        <a:t>Fabric Data Agent integrated into Copilot Studio</a:t>
+                      </a:r>
+                      <a:endParaRPr lang="en-US" sz="1400"/>
+                    </a:p>
+                  </a:txBody>
+                  <a:tcPr marL="26095" marR="26095" marT="13047" marB="13047" anchor="ctr"/>
+                </a:tc>
+                <a:tc>
+                  <a:txBody>
+                    <a:bodyPr/>
+                    <a:lstStyle/>
+                    <a:p>
+                      <a:pPr>
+                        <a:buNone/>
+                      </a:pPr>
+                      <a:r>
+                        <a:rPr lang="en-US" sz="1400" dirty="0"/>
+                        <a:t>A Fabric data agent added as a connected agent inside Copilot Studio, so your Copilot Studio agent can call it for data Q&amp;A while also using tools, topics, connectors, and other agents. </a:t>
+                      </a:r>
+                    </a:p>
+                  </a:txBody>
+                  <a:tcPr marL="26095" marR="26095" marT="13047" marB="13047" anchor="ctr"/>
+                </a:tc>
+                <a:tc>
+                  <a:txBody>
+                    <a:bodyPr/>
+                    <a:lstStyle/>
+                    <a:p>
+                      <a:pPr>
+                        <a:buNone/>
+                      </a:pPr>
+                      <a:r>
+                        <a:rPr lang="en-US" sz="1400"/>
+                        <a:t>Enterprise copilots (in Teams, web, apps) that need Fabric data + business workflows + external systems (CRM, tickets, line-of-business apps).</a:t>
+                      </a:r>
+                    </a:p>
+                  </a:txBody>
+                  <a:tcPr marL="26095" marR="26095" marT="13047" marB="13047" anchor="ctr"/>
+                </a:tc>
+                <a:extLst>
+                  <a:ext uri="{0D108BD9-81ED-4DB2-BD59-A6C34878D82A}">
+                    <a16:rowId xmlns:a16="http://schemas.microsoft.com/office/drawing/2014/main" val="3680476914"/>
+                  </a:ext>
+                </a:extLst>
+              </a:tr>
+              <a:tr h="1200420">
+                <a:tc>
+                  <a:txBody>
+                    <a:bodyPr/>
+                    <a:lstStyle/>
+                    <a:p>
+                      <a:pPr>
+                        <a:buNone/>
+                      </a:pPr>
+                      <a:r>
+                        <a:rPr lang="en-AU" sz="1400"/>
+                        <a:t>5</a:t>
+                      </a:r>
+                    </a:p>
+                  </a:txBody>
+                  <a:tcPr marL="26095" marR="26095" marT="13047" marB="13047" anchor="ctr"/>
+                </a:tc>
+                <a:tc>
+                  <a:txBody>
+                    <a:bodyPr/>
+                    <a:lstStyle/>
+                    <a:p>
+                      <a:pPr>
+                        <a:buNone/>
+                      </a:pPr>
+                      <a:r>
+                        <a:rPr lang="en-US" sz="1400" b="1"/>
+                        <a:t>Copilot Studio agent with Power BI connector to query datasets</a:t>
+                      </a:r>
+                      <a:endParaRPr lang="en-US" sz="1400"/>
+                    </a:p>
+                  </a:txBody>
+                  <a:tcPr marL="26095" marR="26095" marT="13047" marB="13047" anchor="ctr"/>
+                </a:tc>
+                <a:tc>
+                  <a:txBody>
+                    <a:bodyPr/>
+                    <a:lstStyle/>
+                    <a:p>
+                      <a:pPr>
+                        <a:buNone/>
+                      </a:pPr>
+                      <a:r>
+                        <a:rPr lang="en-US" sz="1400" dirty="0"/>
+                        <a:t>Copilot Studio agent that calls the Power BI connector / APIs to execute queries against datasets, read reports, or trigger alerts.</a:t>
+                      </a:r>
+                    </a:p>
+                  </a:txBody>
+                  <a:tcPr marL="26095" marR="26095" marT="13047" marB="13047" anchor="ctr"/>
+                </a:tc>
+                <a:tc>
+                  <a:txBody>
+                    <a:bodyPr/>
+                    <a:lstStyle/>
+                    <a:p>
+                      <a:pPr>
+                        <a:buNone/>
+                      </a:pPr>
+                      <a:r>
+                        <a:rPr lang="en-US" sz="1400" dirty="0"/>
+                        <a:t>When you mainly need Power BI metrics but don’t (yet) have Fabric data agents, or you need very custom query logic / actions around a single dataset.</a:t>
+                      </a:r>
+                    </a:p>
+                  </a:txBody>
+                  <a:tcPr marL="26095" marR="26095" marT="13047" marB="13047" anchor="ctr"/>
+                </a:tc>
+                <a:extLst>
+                  <a:ext uri="{0D108BD9-81ED-4DB2-BD59-A6C34878D82A}">
+                    <a16:rowId xmlns:a16="http://schemas.microsoft.com/office/drawing/2014/main" val="2529937226"/>
+                  </a:ext>
+                </a:extLst>
+              </a:tr>
+            </a:tbl>
+          </a:graphicData>
+        </a:graphic>
+      </p:graphicFrame>
+    </p:spTree>
+    <p:extLst>
+      <p:ext uri="{BB962C8B-B14F-4D97-AF65-F5344CB8AC3E}">
+        <p14:creationId xmlns:p14="http://schemas.microsoft.com/office/powerpoint/2010/main" val="2472865883"/>
       </p:ext>
     </p:extLst>
   </p:cSld>
